--- a/06レビュー記録/第1回スプリングレトロスペクティブ.pptx
+++ b/06レビュー記録/第1回スプリングレトロスペクティブ.pptx
@@ -3725,52 +3725,15 @@
                   <a:schemeClr val="tx1"/>
                 </a:solidFill>
               </a:rPr>
-              <a:t>・試すこと</a:t>
-            </a:r>
-            <a:endParaRPr kumimoji="1" lang="en-US" altLang="ja-JP" sz="2000" dirty="0">
-              <a:solidFill>
-                <a:schemeClr val="tx1"/>
-              </a:solidFill>
-            </a:endParaRPr>
-          </a:p>
-          <a:p>
+              <a:t>・</a:t>
+            </a:r>
             <a:r>
               <a:rPr lang="ja-JP" altLang="en-US" sz="2000" dirty="0">
                 <a:solidFill>
                   <a:schemeClr val="tx1"/>
                 </a:solidFill>
               </a:rPr>
-              <a:t>・工夫したい事</a:t>
-            </a:r>
-            <a:endParaRPr lang="en-US" altLang="ja-JP" sz="2000" dirty="0">
-              <a:solidFill>
-                <a:schemeClr val="tx1"/>
-              </a:solidFill>
-            </a:endParaRPr>
-          </a:p>
-          <a:p>
-            <a:r>
-              <a:rPr kumimoji="1" lang="ja-JP" altLang="en-US" sz="2000" dirty="0">
-                <a:solidFill>
-                  <a:schemeClr val="tx1"/>
-                </a:solidFill>
-              </a:rPr>
-              <a:t>・</a:t>
-            </a:r>
-            <a:endParaRPr kumimoji="1" lang="en-US" altLang="ja-JP" sz="2000" dirty="0">
-              <a:solidFill>
-                <a:schemeClr val="tx1"/>
-              </a:solidFill>
-            </a:endParaRPr>
-          </a:p>
-          <a:p>
-            <a:r>
-              <a:rPr lang="ja-JP" altLang="en-US" sz="2000" dirty="0">
-                <a:solidFill>
-                  <a:schemeClr val="tx1"/>
-                </a:solidFill>
-              </a:rPr>
-              <a:t>・通話しながらの開発</a:t>
+              <a:t>通話しながらの開発</a:t>
             </a:r>
             <a:endParaRPr lang="en-US" altLang="ja-JP" sz="2000" dirty="0">
               <a:solidFill>
@@ -3795,7 +3758,7 @@
           </a:p>
           <a:p>
             <a:r>
-              <a:rPr lang="ja-JP" altLang="en-US" sz="2000">
+              <a:rPr lang="ja-JP" altLang="en-US" sz="2000" dirty="0">
                 <a:solidFill>
                   <a:schemeClr val="tx1"/>
                 </a:solidFill>
@@ -3809,14 +3772,6 @@
             </a:endParaRPr>
           </a:p>
           <a:p>
-            <a:r>
-              <a:rPr kumimoji="1" lang="ja-JP" altLang="en-US" sz="2000" dirty="0">
-                <a:solidFill>
-                  <a:schemeClr val="tx1"/>
-                </a:solidFill>
-              </a:rPr>
-              <a:t>・</a:t>
-            </a:r>
             <a:endParaRPr kumimoji="1" lang="en-US" altLang="ja-JP" sz="2000" dirty="0">
               <a:solidFill>
                 <a:schemeClr val="tx1"/>
@@ -3890,58 +3845,6 @@
             </a:r>
           </a:p>
           <a:p>
-            <a:endParaRPr kumimoji="1" lang="en-US" altLang="ja-JP" sz="2000" dirty="0">
-              <a:solidFill>
-                <a:schemeClr val="tx1"/>
-              </a:solidFill>
-            </a:endParaRPr>
-          </a:p>
-          <a:p>
-            <a:r>
-              <a:rPr kumimoji="1" lang="ja-JP" altLang="en-US" sz="2000" dirty="0">
-                <a:solidFill>
-                  <a:schemeClr val="tx1"/>
-                </a:solidFill>
-              </a:rPr>
-              <a:t>・続けること</a:t>
-            </a:r>
-            <a:endParaRPr kumimoji="1" lang="en-US" altLang="ja-JP" sz="2000" dirty="0">
-              <a:solidFill>
-                <a:schemeClr val="tx1"/>
-              </a:solidFill>
-            </a:endParaRPr>
-          </a:p>
-          <a:p>
-            <a:r>
-              <a:rPr lang="ja-JP" altLang="en-US" sz="2000" dirty="0">
-                <a:solidFill>
-                  <a:schemeClr val="tx1"/>
-                </a:solidFill>
-              </a:rPr>
-              <a:t>・良い事</a:t>
-            </a:r>
-            <a:endParaRPr lang="en-US" altLang="ja-JP" sz="2000" dirty="0">
-              <a:solidFill>
-                <a:schemeClr val="tx1"/>
-              </a:solidFill>
-            </a:endParaRPr>
-          </a:p>
-          <a:p>
-            <a:r>
-              <a:rPr kumimoji="1" lang="ja-JP" altLang="en-US" sz="2000" dirty="0">
-                <a:solidFill>
-                  <a:schemeClr val="tx1"/>
-                </a:solidFill>
-              </a:rPr>
-              <a:t>・</a:t>
-            </a:r>
-            <a:endParaRPr kumimoji="1" lang="en-US" altLang="ja-JP" sz="2000" dirty="0">
-              <a:solidFill>
-                <a:schemeClr val="tx1"/>
-              </a:solidFill>
-            </a:endParaRPr>
-          </a:p>
-          <a:p>
             <a:r>
               <a:rPr lang="ja-JP" altLang="en-US" sz="2000" dirty="0">
                 <a:solidFill>
@@ -4044,37 +3947,7 @@
                   <a:schemeClr val="tx1"/>
                 </a:solidFill>
               </a:rPr>
-              <a:t>・不満点</a:t>
-            </a:r>
-            <a:endParaRPr lang="en-US" altLang="ja-JP" sz="2000" dirty="0">
-              <a:solidFill>
-                <a:schemeClr val="tx1"/>
-              </a:solidFill>
-            </a:endParaRPr>
-          </a:p>
-          <a:p>
-            <a:r>
-              <a:rPr kumimoji="1" lang="ja-JP" altLang="en-US" sz="2000" dirty="0">
-                <a:solidFill>
-                  <a:schemeClr val="tx1"/>
-                </a:solidFill>
-              </a:rPr>
-              <a:t>・問題点</a:t>
-            </a:r>
-            <a:endParaRPr kumimoji="1" lang="en-US" altLang="ja-JP" sz="2000" dirty="0">
-              <a:solidFill>
-                <a:schemeClr val="tx1"/>
-              </a:solidFill>
-            </a:endParaRPr>
-          </a:p>
-          <a:p>
-            <a:r>
-              <a:rPr lang="ja-JP" altLang="en-US" sz="2000" dirty="0">
-                <a:solidFill>
-                  <a:schemeClr val="tx1"/>
-                </a:solidFill>
-              </a:rPr>
-              <a:t>・</a:t>
+              <a:t>・全員が参加していない・</a:t>
             </a:r>
             <a:endParaRPr lang="en-US" altLang="ja-JP" sz="2000" dirty="0">
               <a:solidFill>
@@ -4090,14 +3963,6 @@
                 </a:solidFill>
               </a:rPr>
               <a:t>・</a:t>
-            </a:r>
-            <a:r>
-              <a:rPr lang="ja-JP" altLang="en-US" sz="2000" dirty="0">
-                <a:solidFill>
-                  <a:schemeClr val="tx1"/>
-                </a:solidFill>
-              </a:rPr>
-              <a:t>全員が参加していない</a:t>
             </a:r>
             <a:endParaRPr kumimoji="1" lang="en-US" altLang="ja-JP" sz="2000" dirty="0">
               <a:solidFill>
@@ -4466,21 +4331,6 @@
 </file>
 
 <file path=customXml/item1.xml><?xml version="1.0" encoding="utf-8"?>
-<p:properties xmlns:p="http://schemas.microsoft.com/office/2006/metadata/properties" xmlns:xsi="http://www.w3.org/2001/XMLSchema-instance" xmlns:pc="http://schemas.microsoft.com/office/infopath/2007/PartnerControls">
-  <documentManagement/>
-</p:properties>
-</file>
-
-<file path=customXml/item2.xml><?xml version="1.0" encoding="utf-8"?>
-<?mso-contentType ?>
-<FormTemplates xmlns="http://schemas.microsoft.com/sharepoint/v3/contenttype/forms">
-  <Display>DocumentLibraryForm</Display>
-  <Edit>DocumentLibraryForm</Edit>
-  <New>DocumentLibraryForm</New>
-</FormTemplates>
-</file>
-
-<file path=customXml/item3.xml><?xml version="1.0" encoding="utf-8"?>
 <ct:contentTypeSchema xmlns:ct="http://schemas.microsoft.com/office/2006/metadata/contentType" xmlns:ma="http://schemas.microsoft.com/office/2006/metadata/properties/metaAttributes" ct:_="" ma:_="" ma:contentTypeName="ドキュメント" ma:contentTypeID="0x0101000889705F6052C04CB62ECDDCC575A3DB" ma:contentTypeVersion="3" ma:contentTypeDescription="新しいドキュメントを作成します。" ma:contentTypeScope="" ma:versionID="d47e42d9aa81338a48bf776e976ae736">
   <xsd:schema xmlns:xsd="http://www.w3.org/2001/XMLSchema" xmlns:xs="http://www.w3.org/2001/XMLSchema" xmlns:p="http://schemas.microsoft.com/office/2006/metadata/properties" xmlns:ns2="24224b6e-b20b-49bc-8182-af155e721963" targetNamespace="http://schemas.microsoft.com/office/2006/metadata/properties" ma:root="true" ma:fieldsID="85fe8df68c0bdb848122ecebafca61db" ns2:_="">
     <xsd:import namespace="24224b6e-b20b-49bc-8182-af155e721963"/>
@@ -4618,24 +4468,22 @@
 </ct:contentTypeSchema>
 </file>
 
-<file path=customXml/itemProps1.xml><?xml version="1.0" encoding="utf-8"?>
-<ds:datastoreItem xmlns:ds="http://schemas.openxmlformats.org/officeDocument/2006/customXml" ds:itemID="{ADAA2642-6792-47F7-9100-35862C9A21B6}">
-  <ds:schemaRefs>
-    <ds:schemaRef ds:uri="http://schemas.microsoft.com/office/2006/metadata/properties"/>
-    <ds:schemaRef ds:uri="http://schemas.microsoft.com/office/infopath/2007/PartnerControls"/>
-  </ds:schemaRefs>
-</ds:datastoreItem>
+<file path=customXml/item2.xml><?xml version="1.0" encoding="utf-8"?>
+<?mso-contentType ?>
+<FormTemplates xmlns="http://schemas.microsoft.com/sharepoint/v3/contenttype/forms">
+  <Display>DocumentLibraryForm</Display>
+  <Edit>DocumentLibraryForm</Edit>
+  <New>DocumentLibraryForm</New>
+</FormTemplates>
 </file>
 
-<file path=customXml/itemProps2.xml><?xml version="1.0" encoding="utf-8"?>
-<ds:datastoreItem xmlns:ds="http://schemas.openxmlformats.org/officeDocument/2006/customXml" ds:itemID="{27F2B004-193B-40FE-AA77-13AC6B5407E7}">
-  <ds:schemaRefs>
-    <ds:schemaRef ds:uri="http://schemas.microsoft.com/sharepoint/v3/contenttype/forms"/>
-  </ds:schemaRefs>
-</ds:datastoreItem>
+<file path=customXml/item3.xml><?xml version="1.0" encoding="utf-8"?>
+<p:properties xmlns:p="http://schemas.microsoft.com/office/2006/metadata/properties" xmlns:xsi="http://www.w3.org/2001/XMLSchema-instance" xmlns:pc="http://schemas.microsoft.com/office/infopath/2007/PartnerControls">
+  <documentManagement/>
+</p:properties>
 </file>
 
-<file path=customXml/itemProps3.xml><?xml version="1.0" encoding="utf-8"?>
+<file path=customXml/itemProps1.xml><?xml version="1.0" encoding="utf-8"?>
 <ds:datastoreItem xmlns:ds="http://schemas.openxmlformats.org/officeDocument/2006/customXml" ds:itemID="{B412E3CA-7E91-4776-A63C-FFE36170EF44}">
   <ds:schemaRefs>
     <ds:schemaRef ds:uri="http://schemas.microsoft.com/office/2006/metadata/contentType"/>
@@ -4651,4 +4499,21 @@
     <ds:schemaRef ds:uri="http://schemas.microsoft.com/internal/obd"/>
   </ds:schemaRefs>
 </ds:datastoreItem>
+</file>
+
+<file path=customXml/itemProps2.xml><?xml version="1.0" encoding="utf-8"?>
+<ds:datastoreItem xmlns:ds="http://schemas.openxmlformats.org/officeDocument/2006/customXml" ds:itemID="{27F2B004-193B-40FE-AA77-13AC6B5407E7}">
+  <ds:schemaRefs>
+    <ds:schemaRef ds:uri="http://schemas.microsoft.com/sharepoint/v3/contenttype/forms"/>
+  </ds:schemaRefs>
+</ds:datastoreItem>
+</file>
+
+<file path=customXml/itemProps3.xml><?xml version="1.0" encoding="utf-8"?>
+<ds:datastoreItem xmlns:ds="http://schemas.openxmlformats.org/officeDocument/2006/customXml" ds:itemID="{ADAA2642-6792-47F7-9100-35862C9A21B6}">
+  <ds:schemaRefs>
+    <ds:schemaRef ds:uri="http://schemas.microsoft.com/office/2006/metadata/properties"/>
+    <ds:schemaRef ds:uri="http://schemas.microsoft.com/office/infopath/2007/PartnerControls"/>
+  </ds:schemaRefs>
+</ds:datastoreItem>
 </file>